--- a/CGM INTEGRATED MULTIMEDIA MESSAGE STANDARDS.pptx
+++ b/CGM INTEGRATED MULTIMEDIA MESSAGE STANDARDS.pptx
@@ -22,7 +22,10 @@
     <p:sldId id="270" r:id="rId16"/>
     <p:sldId id="271" r:id="rId17"/>
     <p:sldId id="272" r:id="rId18"/>
-    <p:sldId id="274" r:id="rId19"/>
+    <p:sldId id="275" r:id="rId19"/>
+    <p:sldId id="276" r:id="rId20"/>
+    <p:sldId id="277" r:id="rId21"/>
+    <p:sldId id="274" r:id="rId22"/>
   </p:sldIdLst>
   <p:sldSz cx="12192000" cy="6858000"/>
   <p:notesSz cx="6858000" cy="9144000"/>
@@ -121,6 +124,11 @@
       </a:defRPr>
     </a:lvl9pPr>
   </p:defaultTextStyle>
+  <p:extLst>
+    <p:ext uri="{EFAFB233-063F-42B5-8137-9DF3F51BA10A}">
+      <p15:sldGuideLst xmlns:p15="http://schemas.microsoft.com/office/powerpoint/2012/main"/>
+    </p:ext>
+  </p:extLst>
 </p:presentation>
 </file>
 
@@ -14391,7 +14399,7 @@
           <p:cNvPr id="2" name="Title 1">
             <a:extLst>
               <a:ext uri="{FF2B5EF4-FFF2-40B4-BE49-F238E27FC236}">
-                <a16:creationId xmlns:a16="http://schemas.microsoft.com/office/drawing/2014/main" id="{8C308E30-06E4-C91D-4667-C98519824AD8}"/>
+                <a16:creationId xmlns:a16="http://schemas.microsoft.com/office/drawing/2014/main" id="{F2BF2F71-DB5B-A846-D51D-DBF14701B743}"/>
               </a:ext>
             </a:extLst>
           </p:cNvPr>
@@ -14399,7 +14407,7 @@
             <a:spLocks noGrp="1"/>
           </p:cNvSpPr>
           <p:nvPr>
-            <p:ph type="ctrTitle"/>
+            <p:ph type="title"/>
           </p:nvPr>
         </p:nvSpPr>
         <p:spPr/>
@@ -14409,16 +14417,157 @@
           <a:p>
             <a:pPr algn="ctr"/>
             <a:r>
-              <a:rPr lang="en-IN" dirty="0"/>
-              <a:t>THANK YOU</a:t>
-            </a:r>
+              <a:rPr lang="en-US" dirty="0"/>
+              <a:t>Integrated Document Management</a:t>
+            </a:r>
+            <a:endParaRPr lang="en-IN" dirty="0"/>
+          </a:p>
+        </p:txBody>
+      </p:sp>
+      <p:sp>
+        <p:nvSpPr>
+          <p:cNvPr id="3" name="Content Placeholder 2">
+            <a:extLst>
+              <a:ext uri="{FF2B5EF4-FFF2-40B4-BE49-F238E27FC236}">
+                <a16:creationId xmlns:a16="http://schemas.microsoft.com/office/drawing/2014/main" id="{715908F3-BB19-56AD-2912-AA3C66813A4F}"/>
+              </a:ext>
+            </a:extLst>
+          </p:cNvPr>
+          <p:cNvSpPr>
+            <a:spLocks noGrp="1"/>
+          </p:cNvSpPr>
+          <p:nvPr>
+            <p:ph idx="1"/>
+          </p:nvPr>
+        </p:nvSpPr>
+        <p:spPr/>
+        <p:txBody>
+          <a:bodyPr/>
+          <a:lstStyle/>
+          <a:p>
+            <a:r>
+              <a:rPr lang="en-US" dirty="0"/>
+              <a:t>One of the key technologies of work group computing is a class of application and functionality called middleware, which integrates library services and document creation</a:t>
+            </a:r>
+          </a:p>
+          <a:p>
+            <a:r>
+              <a:rPr lang="en-US" dirty="0"/>
+              <a:t>Interchange is Designed to Support critical business process application around a client server topology using open application interface</a:t>
+            </a:r>
+          </a:p>
+          <a:p>
+            <a:pPr marL="0" indent="0">
+              <a:buNone/>
+            </a:pPr>
+            <a:endParaRPr lang="en-IN" dirty="0"/>
           </a:p>
         </p:txBody>
       </p:sp>
     </p:spTree>
     <p:extLst>
       <p:ext uri="{BB962C8B-B14F-4D97-AF65-F5344CB8AC3E}">
-        <p14:creationId xmlns:p14="http://schemas.microsoft.com/office/powerpoint/2010/main" val="791786397"/>
+        <p14:creationId xmlns:p14="http://schemas.microsoft.com/office/powerpoint/2010/main" val="1137306270"/>
+      </p:ext>
+    </p:extLst>
+  </p:cSld>
+  <p:clrMapOvr>
+    <a:masterClrMapping/>
+  </p:clrMapOvr>
+</p:sld>
+</file>
+
+<file path=ppt/slides/slide19.xml><?xml version="1.0" encoding="utf-8"?>
+<p:sld xmlns:a="http://schemas.openxmlformats.org/drawingml/2006/main" xmlns:r="http://schemas.openxmlformats.org/officeDocument/2006/relationships" xmlns:p="http://schemas.openxmlformats.org/presentationml/2006/main">
+  <p:cSld>
+    <p:spTree>
+      <p:nvGrpSpPr>
+        <p:cNvPr id="1" name=""/>
+        <p:cNvGrpSpPr/>
+        <p:nvPr/>
+      </p:nvGrpSpPr>
+      <p:grpSpPr>
+        <a:xfrm>
+          <a:off x="0" y="0"/>
+          <a:ext cx="0" cy="0"/>
+          <a:chOff x="0" y="0"/>
+          <a:chExt cx="0" cy="0"/>
+        </a:xfrm>
+      </p:grpSpPr>
+      <p:sp>
+        <p:nvSpPr>
+          <p:cNvPr id="2" name="Title 1">
+            <a:extLst>
+              <a:ext uri="{FF2B5EF4-FFF2-40B4-BE49-F238E27FC236}">
+                <a16:creationId xmlns:a16="http://schemas.microsoft.com/office/drawing/2014/main" id="{E0347DFE-48BA-EA05-2F34-EFFF50C07E2D}"/>
+              </a:ext>
+            </a:extLst>
+          </p:cNvPr>
+          <p:cNvSpPr>
+            <a:spLocks noGrp="1"/>
+          </p:cNvSpPr>
+          <p:nvPr>
+            <p:ph type="title"/>
+          </p:nvPr>
+        </p:nvSpPr>
+        <p:spPr/>
+        <p:txBody>
+          <a:bodyPr/>
+          <a:lstStyle/>
+          <a:p>
+            <a:pPr algn="ctr"/>
+            <a:r>
+              <a:rPr lang="en-US" dirty="0"/>
+              <a:t>Integrated Document Management for Messaging</a:t>
+            </a:r>
+            <a:endParaRPr lang="en-IN" dirty="0"/>
+          </a:p>
+        </p:txBody>
+      </p:sp>
+      <p:sp>
+        <p:nvSpPr>
+          <p:cNvPr id="3" name="Content Placeholder 2">
+            <a:extLst>
+              <a:ext uri="{FF2B5EF4-FFF2-40B4-BE49-F238E27FC236}">
+                <a16:creationId xmlns:a16="http://schemas.microsoft.com/office/drawing/2014/main" id="{6B53F29D-1803-E128-C808-787B199063B1}"/>
+              </a:ext>
+            </a:extLst>
+          </p:cNvPr>
+          <p:cNvSpPr>
+            <a:spLocks noGrp="1"/>
+          </p:cNvSpPr>
+          <p:nvPr>
+            <p:ph idx="1"/>
+          </p:nvPr>
+        </p:nvSpPr>
+        <p:spPr/>
+        <p:txBody>
+          <a:bodyPr/>
+          <a:lstStyle/>
+          <a:p>
+            <a:r>
+              <a:rPr lang="en-US" dirty="0"/>
+              <a:t>Specialized Messaging System such as notes provide integrated document management for messaging</a:t>
+            </a:r>
+          </a:p>
+          <a:p>
+            <a:r>
+              <a:rPr lang="en-US" dirty="0"/>
+              <a:t>This means that the user can attach, embed, or link a Varity of multimedia objects such as graphics, images, audio, and video to the document</a:t>
+            </a:r>
+          </a:p>
+          <a:p>
+            <a:r>
+              <a:rPr lang="en-US" dirty="0"/>
+              <a:t>When a document is forwarded to other users, all the associated multimedia objects are also forwarded and available to the new recipient </a:t>
+            </a:r>
+          </a:p>
+        </p:txBody>
+      </p:sp>
+    </p:spTree>
+    <p:extLst>
+      <p:ext uri="{BB962C8B-B14F-4D97-AF65-F5344CB8AC3E}">
+        <p14:creationId xmlns:p14="http://schemas.microsoft.com/office/powerpoint/2010/main" val="3130451739"/>
       </p:ext>
     </p:extLst>
   </p:cSld>
@@ -14508,6 +14657,182 @@
     <p:extLst>
       <p:ext uri="{BB962C8B-B14F-4D97-AF65-F5344CB8AC3E}">
         <p14:creationId xmlns:p14="http://schemas.microsoft.com/office/powerpoint/2010/main" val="4126623391"/>
+      </p:ext>
+    </p:extLst>
+  </p:cSld>
+  <p:clrMapOvr>
+    <a:masterClrMapping/>
+  </p:clrMapOvr>
+</p:sld>
+</file>
+
+<file path=ppt/slides/slide20.xml><?xml version="1.0" encoding="utf-8"?>
+<p:sld xmlns:a="http://schemas.openxmlformats.org/drawingml/2006/main" xmlns:r="http://schemas.openxmlformats.org/officeDocument/2006/relationships" xmlns:p="http://schemas.openxmlformats.org/presentationml/2006/main">
+  <p:cSld>
+    <p:spTree>
+      <p:nvGrpSpPr>
+        <p:cNvPr id="1" name=""/>
+        <p:cNvGrpSpPr/>
+        <p:nvPr/>
+      </p:nvGrpSpPr>
+      <p:grpSpPr>
+        <a:xfrm>
+          <a:off x="0" y="0"/>
+          <a:ext cx="0" cy="0"/>
+          <a:chOff x="0" y="0"/>
+          <a:chExt cx="0" cy="0"/>
+        </a:xfrm>
+      </p:grpSpPr>
+      <p:sp>
+        <p:nvSpPr>
+          <p:cNvPr id="2" name="Title 1">
+            <a:extLst>
+              <a:ext uri="{FF2B5EF4-FFF2-40B4-BE49-F238E27FC236}">
+                <a16:creationId xmlns:a16="http://schemas.microsoft.com/office/drawing/2014/main" id="{7781306E-B6CE-54BC-B42F-FAE7B945A991}"/>
+              </a:ext>
+            </a:extLst>
+          </p:cNvPr>
+          <p:cNvSpPr>
+            <a:spLocks noGrp="1"/>
+          </p:cNvSpPr>
+          <p:nvPr>
+            <p:ph type="title"/>
+          </p:nvPr>
+        </p:nvSpPr>
+        <p:spPr/>
+        <p:txBody>
+          <a:bodyPr/>
+          <a:lstStyle/>
+          <a:p>
+            <a:pPr algn="ctr"/>
+            <a:r>
+              <a:rPr lang="en-US" dirty="0"/>
+              <a:t>Multimedia Object Server and Mail Server Interactions</a:t>
+            </a:r>
+            <a:endParaRPr lang="en-IN" dirty="0"/>
+          </a:p>
+        </p:txBody>
+      </p:sp>
+      <p:sp>
+        <p:nvSpPr>
+          <p:cNvPr id="3" name="Content Placeholder 2">
+            <a:extLst>
+              <a:ext uri="{FF2B5EF4-FFF2-40B4-BE49-F238E27FC236}">
+                <a16:creationId xmlns:a16="http://schemas.microsoft.com/office/drawing/2014/main" id="{1CC22E7E-9C57-0A78-C66E-AC14B7C36484}"/>
+              </a:ext>
+            </a:extLst>
+          </p:cNvPr>
+          <p:cNvSpPr>
+            <a:spLocks noGrp="1"/>
+          </p:cNvSpPr>
+          <p:nvPr>
+            <p:ph idx="1"/>
+          </p:nvPr>
+        </p:nvSpPr>
+        <p:spPr/>
+        <p:txBody>
+          <a:bodyPr/>
+          <a:lstStyle/>
+          <a:p>
+            <a:r>
+              <a:rPr lang="en-US" dirty="0"/>
+              <a:t>The Mail server is used to store all emails messages</a:t>
+            </a:r>
+          </a:p>
+          <a:p>
+            <a:r>
+              <a:rPr lang="en-US" dirty="0"/>
+              <a:t>It Consists of a file server with mail files for each user recipient who use that server as the mail box</a:t>
+            </a:r>
+          </a:p>
+          <a:p>
+            <a:r>
+              <a:rPr lang="en-US" dirty="0"/>
+              <a:t>The users can review the mail and deleted mail no longer required from this file</a:t>
+            </a:r>
+          </a:p>
+          <a:p>
+            <a:r>
+              <a:rPr lang="en-US" dirty="0"/>
+              <a:t>The Link Information can be in the form of Paths name, or an object ID</a:t>
+            </a:r>
+          </a:p>
+          <a:p>
+            <a:r>
+              <a:rPr lang="en-US" dirty="0"/>
+              <a:t>An Object ID may be a structure with various attributes </a:t>
+            </a:r>
+            <a:r>
+              <a:rPr lang="en-US"/>
+              <a:t>in it</a:t>
+            </a:r>
+            <a:endParaRPr lang="en-IN"/>
+          </a:p>
+        </p:txBody>
+      </p:sp>
+    </p:spTree>
+    <p:extLst>
+      <p:ext uri="{BB962C8B-B14F-4D97-AF65-F5344CB8AC3E}">
+        <p14:creationId xmlns:p14="http://schemas.microsoft.com/office/powerpoint/2010/main" val="2697381070"/>
+      </p:ext>
+    </p:extLst>
+  </p:cSld>
+  <p:clrMapOvr>
+    <a:masterClrMapping/>
+  </p:clrMapOvr>
+</p:sld>
+</file>
+
+<file path=ppt/slides/slide21.xml><?xml version="1.0" encoding="utf-8"?>
+<p:sld xmlns:a="http://schemas.openxmlformats.org/drawingml/2006/main" xmlns:r="http://schemas.openxmlformats.org/officeDocument/2006/relationships" xmlns:p="http://schemas.openxmlformats.org/presentationml/2006/main">
+  <p:cSld>
+    <p:spTree>
+      <p:nvGrpSpPr>
+        <p:cNvPr id="1" name=""/>
+        <p:cNvGrpSpPr/>
+        <p:nvPr/>
+      </p:nvGrpSpPr>
+      <p:grpSpPr>
+        <a:xfrm>
+          <a:off x="0" y="0"/>
+          <a:ext cx="0" cy="0"/>
+          <a:chOff x="0" y="0"/>
+          <a:chExt cx="0" cy="0"/>
+        </a:xfrm>
+      </p:grpSpPr>
+      <p:sp>
+        <p:nvSpPr>
+          <p:cNvPr id="2" name="Title 1">
+            <a:extLst>
+              <a:ext uri="{FF2B5EF4-FFF2-40B4-BE49-F238E27FC236}">
+                <a16:creationId xmlns:a16="http://schemas.microsoft.com/office/drawing/2014/main" id="{8C308E30-06E4-C91D-4667-C98519824AD8}"/>
+              </a:ext>
+            </a:extLst>
+          </p:cNvPr>
+          <p:cNvSpPr>
+            <a:spLocks noGrp="1"/>
+          </p:cNvSpPr>
+          <p:nvPr>
+            <p:ph type="ctrTitle"/>
+          </p:nvPr>
+        </p:nvSpPr>
+        <p:spPr/>
+        <p:txBody>
+          <a:bodyPr/>
+          <a:lstStyle/>
+          <a:p>
+            <a:pPr algn="ctr"/>
+            <a:r>
+              <a:rPr lang="en-IN" dirty="0"/>
+              <a:t>THANK YOU</a:t>
+            </a:r>
+          </a:p>
+        </p:txBody>
+      </p:sp>
+    </p:spTree>
+    <p:extLst>
+      <p:ext uri="{BB962C8B-B14F-4D97-AF65-F5344CB8AC3E}">
+        <p14:creationId xmlns:p14="http://schemas.microsoft.com/office/powerpoint/2010/main" val="791786397"/>
       </p:ext>
     </p:extLst>
   </p:cSld>
